--- a/Slides/ECTTP_Les_6_Tuples.pptx
+++ b/Slides/ECTTP_Les_6_Tuples.pptx
@@ -11,9 +11,9 @@
     <p:sldId id="256" r:id="rId2"/>
     <p:sldId id="275" r:id="rId3"/>
     <p:sldId id="335" r:id="rId4"/>
-    <p:sldId id="314" r:id="rId5"/>
-    <p:sldId id="334" r:id="rId6"/>
-    <p:sldId id="336" r:id="rId7"/>
+    <p:sldId id="336" r:id="rId5"/>
+    <p:sldId id="314" r:id="rId6"/>
+    <p:sldId id="334" r:id="rId7"/>
     <p:sldId id="337" r:id="rId8"/>
     <p:sldId id="338" r:id="rId9"/>
     <p:sldId id="339" r:id="rId10"/>
@@ -215,7 +215,7 @@
           <a:p>
             <a:fld id="{982F5773-A4C2-49AD-B804-F6F9DAD548FC}" type="datetimeFigureOut">
               <a:rPr lang="nl-NL" smtClean="0"/>
-              <a:t>4-10-2016</a:t>
+              <a:t>6-10-2016</a:t>
             </a:fld>
             <a:endParaRPr lang="nl-NL"/>
           </a:p>
@@ -675,7 +675,7 @@
           <a:p>
             <a:fld id="{DE04339C-2201-45A8-9ECB-B18791DD5D3F}" type="datetimeFigureOut">
               <a:rPr lang="nl-NL" smtClean="0"/>
-              <a:t>4-10-2016</a:t>
+              <a:t>6-10-2016</a:t>
             </a:fld>
             <a:endParaRPr lang="nl-NL"/>
           </a:p>
@@ -840,7 +840,7 @@
           <a:p>
             <a:fld id="{DE04339C-2201-45A8-9ECB-B18791DD5D3F}" type="datetimeFigureOut">
               <a:rPr lang="nl-NL" smtClean="0"/>
-              <a:t>4-10-2016</a:t>
+              <a:t>6-10-2016</a:t>
             </a:fld>
             <a:endParaRPr lang="nl-NL"/>
           </a:p>
@@ -1015,7 +1015,7 @@
           <a:p>
             <a:fld id="{DE04339C-2201-45A8-9ECB-B18791DD5D3F}" type="datetimeFigureOut">
               <a:rPr lang="nl-NL" smtClean="0"/>
-              <a:t>4-10-2016</a:t>
+              <a:t>6-10-2016</a:t>
             </a:fld>
             <a:endParaRPr lang="nl-NL"/>
           </a:p>
@@ -1198,7 +1198,7 @@
           <a:p>
             <a:fld id="{DE04339C-2201-45A8-9ECB-B18791DD5D3F}" type="datetimeFigureOut">
               <a:rPr lang="nl-NL" smtClean="0"/>
-              <a:t>4-10-2016</a:t>
+              <a:t>6-10-2016</a:t>
             </a:fld>
             <a:endParaRPr lang="nl-NL"/>
           </a:p>
@@ -1460,7 +1460,7 @@
           <a:p>
             <a:fld id="{DE04339C-2201-45A8-9ECB-B18791DD5D3F}" type="datetimeFigureOut">
               <a:rPr lang="nl-NL" smtClean="0"/>
-              <a:t>4-10-2016</a:t>
+              <a:t>6-10-2016</a:t>
             </a:fld>
             <a:endParaRPr lang="nl-NL"/>
           </a:p>
@@ -1808,7 +1808,7 @@
           <a:p>
             <a:fld id="{DE04339C-2201-45A8-9ECB-B18791DD5D3F}" type="datetimeFigureOut">
               <a:rPr lang="nl-NL" smtClean="0"/>
-              <a:t>4-10-2016</a:t>
+              <a:t>6-10-2016</a:t>
             </a:fld>
             <a:endParaRPr lang="nl-NL"/>
           </a:p>
@@ -2116,7 +2116,7 @@
           <a:p>
             <a:fld id="{DE04339C-2201-45A8-9ECB-B18791DD5D3F}" type="datetimeFigureOut">
               <a:rPr lang="nl-NL" smtClean="0"/>
-              <a:t>4-10-2016</a:t>
+              <a:t>6-10-2016</a:t>
             </a:fld>
             <a:endParaRPr lang="nl-NL"/>
           </a:p>
@@ -2343,7 +2343,7 @@
           <a:p>
             <a:fld id="{DE04339C-2201-45A8-9ECB-B18791DD5D3F}" type="datetimeFigureOut">
               <a:rPr lang="nl-NL" smtClean="0"/>
-              <a:t>4-10-2016</a:t>
+              <a:t>6-10-2016</a:t>
             </a:fld>
             <a:endParaRPr lang="nl-NL"/>
           </a:p>
@@ -2433,7 +2433,7 @@
           <a:p>
             <a:fld id="{DE04339C-2201-45A8-9ECB-B18791DD5D3F}" type="datetimeFigureOut">
               <a:rPr lang="nl-NL" smtClean="0"/>
-              <a:t>4-10-2016</a:t>
+              <a:t>6-10-2016</a:t>
             </a:fld>
             <a:endParaRPr lang="nl-NL"/>
           </a:p>
@@ -2721,7 +2721,7 @@
           <a:p>
             <a:fld id="{DE04339C-2201-45A8-9ECB-B18791DD5D3F}" type="datetimeFigureOut">
               <a:rPr lang="nl-NL" smtClean="0"/>
-              <a:t>4-10-2016</a:t>
+              <a:t>6-10-2016</a:t>
             </a:fld>
             <a:endParaRPr lang="nl-NL"/>
           </a:p>
@@ -2990,7 +2990,7 @@
           <a:p>
             <a:fld id="{DE04339C-2201-45A8-9ECB-B18791DD5D3F}" type="datetimeFigureOut">
               <a:rPr lang="nl-NL" smtClean="0"/>
-              <a:t>4-10-2016</a:t>
+              <a:t>6-10-2016</a:t>
             </a:fld>
             <a:endParaRPr lang="nl-NL"/>
           </a:p>
@@ -3200,7 +3200,7 @@
           <a:p>
             <a:fld id="{DE04339C-2201-45A8-9ECB-B18791DD5D3F}" type="datetimeFigureOut">
               <a:rPr lang="nl-NL" smtClean="0"/>
-              <a:t>4-10-2016</a:t>
+              <a:t>6-10-2016</a:t>
             </a:fld>
             <a:endParaRPr lang="nl-NL"/>
           </a:p>
@@ -5524,10 +5524,6 @@
               <a:rPr lang="en-US" dirty="0"/>
               <a:t>(3, 1, 8) → True</a:t>
             </a:r>
-            <a:r>
-              <a:rPr lang="en-US" dirty="0"/>
-              <a:t/>
-            </a:r>
             <a:br>
               <a:rPr lang="en-US" dirty="0"/>
             </a:br>
@@ -5538,10 +5534,6 @@
             <a:r>
               <a:rPr lang="en-US" dirty="0"/>
               <a:t>(3, 1, 9) → False</a:t>
-            </a:r>
-            <a:r>
-              <a:rPr lang="en-US" dirty="0"/>
-              <a:t/>
             </a:r>
             <a:br>
               <a:rPr lang="en-US" dirty="0"/>
@@ -5568,6 +5560,13 @@
   <p:clrMapOvr>
     <a:masterClrMapping/>
   </p:clrMapOvr>
+  <p:timing>
+    <p:tnLst>
+      <p:par>
+        <p:cTn id="1" dur="indefinite" restart="never" nodeType="tmRoot"/>
+      </p:par>
+    </p:tnLst>
+  </p:timing>
 </p:sld>
 </file>
 
@@ -5681,6 +5680,13 @@
   <p:clrMapOvr>
     <a:masterClrMapping/>
   </p:clrMapOvr>
+  <p:timing>
+    <p:tnLst>
+      <p:par>
+        <p:cTn id="1" dur="indefinite" restart="never" nodeType="tmRoot"/>
+      </p:par>
+    </p:tnLst>
+  </p:timing>
 </p:sld>
 </file>
 
@@ -5938,11 +5944,7 @@
           <a:p>
             <a:r>
               <a:rPr lang="en-US" dirty="0" smtClean="0"/>
-              <a:t>Week </a:t>
-            </a:r>
-            <a:r>
-              <a:rPr lang="en-US" dirty="0" smtClean="0"/>
-              <a:t>Six:    </a:t>
+              <a:t>Week Six:    </a:t>
             </a:r>
             <a:endParaRPr lang="en-US" dirty="0"/>
           </a:p>
@@ -6431,15 +6433,7 @@
           <a:p>
             <a:r>
               <a:rPr lang="nl-NL" dirty="0" smtClean="0"/>
-              <a:t>Alleen vragen aan student </a:t>
-            </a:r>
-            <a:r>
-              <a:rPr lang="nl-NL" dirty="0" smtClean="0"/>
-              <a:t>assistenten </a:t>
-            </a:r>
-            <a:r>
-              <a:rPr lang="nl-NL" dirty="0" smtClean="0"/>
-              <a:t>stellen</a:t>
+              <a:t>Alleen vragen aan student assistenten stellen</a:t>
             </a:r>
           </a:p>
           <a:p>
@@ -6447,7 +6441,6 @@
               <a:rPr lang="nl-NL" dirty="0" smtClean="0"/>
               <a:t>Lever toets in bij je practicumbegeleider</a:t>
             </a:r>
-            <a:endParaRPr lang="nl-NL" dirty="0" smtClean="0"/>
           </a:p>
           <a:p>
             <a:r>
@@ -6554,11 +6547,7 @@
           <a:p>
             <a:r>
               <a:rPr lang="nl-NL" dirty="0" smtClean="0"/>
-              <a:t>make_Chocolate(small</a:t>
-            </a:r>
-            <a:r>
-              <a:rPr lang="nl-NL" dirty="0" smtClean="0"/>
-              <a:t>, big, goal)</a:t>
+              <a:t>make_Chocolate(small, big, goal)</a:t>
             </a:r>
             <a:endParaRPr lang="nl-NL" dirty="0"/>
           </a:p>
@@ -6627,11 +6616,7 @@
           <a:p>
             <a:r>
               <a:rPr lang="nl-NL" dirty="0" smtClean="0"/>
-              <a:t>Sixth lab </a:t>
-            </a:r>
-            <a:r>
-              <a:rPr lang="nl-NL" dirty="0" smtClean="0"/>
-              <a:t>is online</a:t>
+              <a:t>Sixth lab is online</a:t>
             </a:r>
             <a:endParaRPr lang="nl-NL" dirty="0"/>
           </a:p>
@@ -7029,6 +7014,128 @@
           <a:p>
             <a:r>
               <a:rPr lang="nl-NL" dirty="0" smtClean="0"/>
+              <a:t>Datatypes</a:t>
+            </a:r>
+            <a:endParaRPr lang="nl-NL" dirty="0"/>
+          </a:p>
+        </p:txBody>
+      </p:sp>
+      <p:sp>
+        <p:nvSpPr>
+          <p:cNvPr id="3" name="Content Placeholder 2"/>
+          <p:cNvSpPr>
+            <a:spLocks noGrp="1"/>
+          </p:cNvSpPr>
+          <p:nvPr>
+            <p:ph idx="1"/>
+          </p:nvPr>
+        </p:nvSpPr>
+        <p:spPr/>
+        <p:txBody>
+          <a:bodyPr/>
+          <a:lstStyle/>
+          <a:p>
+            <a:endParaRPr lang="nl-NL" dirty="0" smtClean="0"/>
+          </a:p>
+          <a:p>
+            <a:r>
+              <a:rPr lang="nl-NL" b="1" dirty="0" smtClean="0"/>
+              <a:t>Int</a:t>
+            </a:r>
+            <a:r>
+              <a:rPr lang="nl-NL" dirty="0" smtClean="0"/>
+              <a:t>  3,100, -300,5</a:t>
+            </a:r>
+          </a:p>
+          <a:p>
+            <a:r>
+              <a:rPr lang="nl-NL" b="1" dirty="0" smtClean="0"/>
+              <a:t>Float</a:t>
+            </a:r>
+            <a:r>
+              <a:rPr lang="nl-NL" dirty="0" smtClean="0"/>
+              <a:t>  3.0,  -2.04123,3.1415 , -9.123</a:t>
+            </a:r>
+          </a:p>
+          <a:p>
+            <a:r>
+              <a:rPr lang="nl-NL" b="1" dirty="0" smtClean="0"/>
+              <a:t>Boolean</a:t>
+            </a:r>
+            <a:r>
+              <a:rPr lang="nl-NL" dirty="0" smtClean="0"/>
+              <a:t>  True False</a:t>
+            </a:r>
+          </a:p>
+          <a:p>
+            <a:r>
+              <a:rPr lang="nl-NL" b="1" dirty="0" smtClean="0"/>
+              <a:t>String</a:t>
+            </a:r>
+            <a:r>
+              <a:rPr lang="nl-NL" dirty="0" smtClean="0"/>
+              <a:t> “Hoi ik ben een string”</a:t>
+            </a:r>
+          </a:p>
+          <a:p>
+            <a:endParaRPr lang="nl-NL" dirty="0"/>
+          </a:p>
+        </p:txBody>
+      </p:sp>
+    </p:spTree>
+    <p:extLst>
+      <p:ext uri="{BB962C8B-B14F-4D97-AF65-F5344CB8AC3E}">
+        <p14:creationId xmlns:p14="http://schemas.microsoft.com/office/powerpoint/2010/main" val="2976257780"/>
+      </p:ext>
+    </p:extLst>
+  </p:cSld>
+  <p:clrMapOvr>
+    <a:masterClrMapping/>
+  </p:clrMapOvr>
+  <p:timing>
+    <p:tnLst>
+      <p:par>
+        <p:cTn id="1" dur="indefinite" restart="never" nodeType="tmRoot"/>
+      </p:par>
+    </p:tnLst>
+  </p:timing>
+</p:sld>
+</file>
+
+<file path=ppt/slides/slide5.xml><?xml version="1.0" encoding="utf-8"?>
+<p:sld xmlns:a="http://schemas.openxmlformats.org/drawingml/2006/main" xmlns:r="http://schemas.openxmlformats.org/officeDocument/2006/relationships" xmlns:p="http://schemas.openxmlformats.org/presentationml/2006/main">
+  <p:cSld>
+    <p:spTree>
+      <p:nvGrpSpPr>
+        <p:cNvPr id="1" name=""/>
+        <p:cNvGrpSpPr/>
+        <p:nvPr/>
+      </p:nvGrpSpPr>
+      <p:grpSpPr>
+        <a:xfrm>
+          <a:off x="0" y="0"/>
+          <a:ext cx="0" cy="0"/>
+          <a:chOff x="0" y="0"/>
+          <a:chExt cx="0" cy="0"/>
+        </a:xfrm>
+      </p:grpSpPr>
+      <p:sp>
+        <p:nvSpPr>
+          <p:cNvPr id="2" name="Title 1"/>
+          <p:cNvSpPr>
+            <a:spLocks noGrp="1"/>
+          </p:cNvSpPr>
+          <p:nvPr>
+            <p:ph type="title"/>
+          </p:nvPr>
+        </p:nvSpPr>
+        <p:spPr/>
+        <p:txBody>
+          <a:bodyPr/>
+          <a:lstStyle/>
+          <a:p>
+            <a:r>
+              <a:rPr lang="nl-NL" dirty="0" smtClean="0"/>
               <a:t>Function</a:t>
             </a:r>
             <a:endParaRPr lang="nl-NL" dirty="0"/>
@@ -7382,268 +7489,6 @@
 </p:sld>
 </file>
 
-<file path=ppt/slides/slide5.xml><?xml version="1.0" encoding="utf-8"?>
-<p:sld xmlns:a="http://schemas.openxmlformats.org/drawingml/2006/main" xmlns:r="http://schemas.openxmlformats.org/officeDocument/2006/relationships" xmlns:p="http://schemas.openxmlformats.org/presentationml/2006/main">
-  <p:cSld>
-    <p:spTree>
-      <p:nvGrpSpPr>
-        <p:cNvPr id="1" name=""/>
-        <p:cNvGrpSpPr/>
-        <p:nvPr/>
-      </p:nvGrpSpPr>
-      <p:grpSpPr>
-        <a:xfrm>
-          <a:off x="0" y="0"/>
-          <a:ext cx="0" cy="0"/>
-          <a:chOff x="0" y="0"/>
-          <a:chExt cx="0" cy="0"/>
-        </a:xfrm>
-      </p:grpSpPr>
-      <p:sp>
-        <p:nvSpPr>
-          <p:cNvPr id="2" name="Title 1"/>
-          <p:cNvSpPr>
-            <a:spLocks noGrp="1"/>
-          </p:cNvSpPr>
-          <p:nvPr>
-            <p:ph type="title"/>
-          </p:nvPr>
-        </p:nvSpPr>
-        <p:spPr/>
-        <p:txBody>
-          <a:bodyPr/>
-          <a:lstStyle/>
-          <a:p>
-            <a:r>
-              <a:rPr lang="nl-NL" dirty="0" smtClean="0"/>
-              <a:t>Multiple Parameters</a:t>
-            </a:r>
-            <a:endParaRPr lang="nl-NL" dirty="0"/>
-          </a:p>
-        </p:txBody>
-      </p:sp>
-      <p:sp>
-        <p:nvSpPr>
-          <p:cNvPr id="3" name="Content Placeholder 2"/>
-          <p:cNvSpPr>
-            <a:spLocks noGrp="1"/>
-          </p:cNvSpPr>
-          <p:nvPr>
-            <p:ph idx="1"/>
-          </p:nvPr>
-        </p:nvSpPr>
-        <p:spPr/>
-        <p:txBody>
-          <a:bodyPr>
-            <a:normAutofit fontScale="92500" lnSpcReduction="20000"/>
-          </a:bodyPr>
-          <a:lstStyle/>
-          <a:p>
-            <a:pPr marL="0" indent="0">
-              <a:buNone/>
-            </a:pPr>
-            <a:endParaRPr lang="nl-NL" dirty="0" smtClean="0"/>
-          </a:p>
-          <a:p>
-            <a:pPr marL="0" indent="0">
-              <a:buNone/>
-            </a:pPr>
-            <a:r>
-              <a:rPr lang="nl-NL" dirty="0" smtClean="0"/>
-              <a:t>def addTwo( </a:t>
-            </a:r>
-            <a:r>
-              <a:rPr lang="nl-NL" dirty="0" smtClean="0">
-                <a:solidFill>
-                  <a:srgbClr val="FF0000"/>
-                </a:solidFill>
-              </a:rPr>
-              <a:t>a</a:t>
-            </a:r>
-            <a:r>
-              <a:rPr lang="nl-NL" dirty="0" smtClean="0"/>
-              <a:t>, </a:t>
-            </a:r>
-            <a:r>
-              <a:rPr lang="nl-NL" dirty="0" smtClean="0">
-                <a:solidFill>
-                  <a:srgbClr val="00B050"/>
-                </a:solidFill>
-              </a:rPr>
-              <a:t>b</a:t>
-            </a:r>
-            <a:r>
-              <a:rPr lang="nl-NL" dirty="0" smtClean="0"/>
-              <a:t>):</a:t>
-            </a:r>
-          </a:p>
-          <a:p>
-            <a:pPr marL="0" indent="0">
-              <a:buNone/>
-            </a:pPr>
-            <a:r>
-              <a:rPr lang="nl-NL" dirty="0"/>
-              <a:t>	</a:t>
-            </a:r>
-            <a:r>
-              <a:rPr lang="nl-NL" dirty="0" smtClean="0"/>
-              <a:t>added = </a:t>
-            </a:r>
-            <a:r>
-              <a:rPr lang="nl-NL" dirty="0" smtClean="0">
-                <a:solidFill>
-                  <a:srgbClr val="FF0000"/>
-                </a:solidFill>
-              </a:rPr>
-              <a:t>a</a:t>
-            </a:r>
-            <a:r>
-              <a:rPr lang="nl-NL" dirty="0" smtClean="0"/>
-              <a:t> + </a:t>
-            </a:r>
-            <a:r>
-              <a:rPr lang="nl-NL" dirty="0" smtClean="0">
-                <a:solidFill>
-                  <a:srgbClr val="00B050"/>
-                </a:solidFill>
-              </a:rPr>
-              <a:t>b</a:t>
-            </a:r>
-          </a:p>
-          <a:p>
-            <a:pPr marL="0" indent="0">
-              <a:buNone/>
-            </a:pPr>
-            <a:r>
-              <a:rPr lang="nl-NL" dirty="0"/>
-              <a:t>	</a:t>
-            </a:r>
-            <a:r>
-              <a:rPr lang="nl-NL" dirty="0" smtClean="0"/>
-              <a:t>return added</a:t>
-            </a:r>
-          </a:p>
-          <a:p>
-            <a:pPr marL="0" indent="0">
-              <a:buNone/>
-            </a:pPr>
-            <a:r>
-              <a:rPr lang="nl-NL" dirty="0" smtClean="0"/>
-              <a:t>x = addTwo ( </a:t>
-            </a:r>
-            <a:r>
-              <a:rPr lang="nl-NL" dirty="0" smtClean="0">
-                <a:solidFill>
-                  <a:srgbClr val="FF0000"/>
-                </a:solidFill>
-              </a:rPr>
-              <a:t>3</a:t>
-            </a:r>
-            <a:r>
-              <a:rPr lang="nl-NL" dirty="0" smtClean="0"/>
-              <a:t>, </a:t>
-            </a:r>
-            <a:r>
-              <a:rPr lang="nl-NL" dirty="0" smtClean="0">
-                <a:solidFill>
-                  <a:srgbClr val="00B050"/>
-                </a:solidFill>
-              </a:rPr>
-              <a:t>5</a:t>
-            </a:r>
-            <a:r>
-              <a:rPr lang="nl-NL" dirty="0" smtClean="0"/>
-              <a:t>)</a:t>
-            </a:r>
-          </a:p>
-          <a:p>
-            <a:pPr marL="0" indent="0">
-              <a:buNone/>
-            </a:pPr>
-            <a:r>
-              <a:rPr lang="nl-NL" dirty="0" smtClean="0"/>
-              <a:t>print x </a:t>
-            </a:r>
-            <a:r>
-              <a:rPr lang="nl-NL" dirty="0" smtClean="0">
-                <a:sym typeface="Wingdings" panose="05000000000000000000" pitchFamily="2" charset="2"/>
-              </a:rPr>
-              <a:t> 8</a:t>
-            </a:r>
-            <a:endParaRPr lang="nl-NL" dirty="0" smtClean="0"/>
-          </a:p>
-          <a:p>
-            <a:pPr marL="0" indent="0">
-              <a:buNone/>
-            </a:pPr>
-            <a:endParaRPr lang="nl-NL" dirty="0"/>
-          </a:p>
-          <a:p>
-            <a:r>
-              <a:rPr lang="nl-NL" dirty="0" smtClean="0"/>
-              <a:t>We can define more than one parameter in the function definition</a:t>
-            </a:r>
-          </a:p>
-          <a:p>
-            <a:r>
-              <a:rPr lang="nl-NL" dirty="0" smtClean="0"/>
-              <a:t>We simply add more arguments when we call the function</a:t>
-            </a:r>
-          </a:p>
-          <a:p>
-            <a:r>
-              <a:rPr lang="nl-NL" dirty="0" smtClean="0"/>
-              <a:t>We </a:t>
-            </a:r>
-            <a:r>
-              <a:rPr lang="nl-NL" b="1" dirty="0" smtClean="0"/>
-              <a:t>match</a:t>
-            </a:r>
-            <a:r>
-              <a:rPr lang="nl-NL" dirty="0" smtClean="0"/>
-              <a:t> the </a:t>
-            </a:r>
-            <a:r>
-              <a:rPr lang="nl-NL" b="1" dirty="0" smtClean="0"/>
-              <a:t>number</a:t>
-            </a:r>
-            <a:r>
-              <a:rPr lang="nl-NL" dirty="0" smtClean="0"/>
-              <a:t> and </a:t>
-            </a:r>
-            <a:r>
-              <a:rPr lang="nl-NL" b="1" dirty="0" smtClean="0"/>
-              <a:t>order</a:t>
-            </a:r>
-            <a:r>
-              <a:rPr lang="nl-NL" dirty="0" smtClean="0"/>
-              <a:t> of arguments and parameters</a:t>
-            </a:r>
-          </a:p>
-          <a:p>
-            <a:pPr marL="0" indent="0">
-              <a:buNone/>
-            </a:pPr>
-            <a:r>
-              <a:rPr lang="nl-NL" dirty="0"/>
-              <a:t>	</a:t>
-            </a:r>
-          </a:p>
-        </p:txBody>
-      </p:sp>
-    </p:spTree>
-    <p:extLst>
-      <p:ext uri="{BB962C8B-B14F-4D97-AF65-F5344CB8AC3E}">
-        <p14:creationId xmlns:p14="http://schemas.microsoft.com/office/powerpoint/2010/main" val="3436430804"/>
-      </p:ext>
-    </p:extLst>
-  </p:cSld>
-  <p:clrMapOvr>
-    <a:masterClrMapping/>
-  </p:clrMapOvr>
-</p:sld>
-</file>
-
 <file path=ppt/slides/slide6.xml><?xml version="1.0" encoding="utf-8"?>
 <p:sld xmlns:a="http://schemas.openxmlformats.org/drawingml/2006/main" xmlns:r="http://schemas.openxmlformats.org/officeDocument/2006/relationships" xmlns:p="http://schemas.openxmlformats.org/presentationml/2006/main">
   <p:cSld>
@@ -7678,7 +7523,7 @@
           <a:p>
             <a:r>
               <a:rPr lang="nl-NL" dirty="0" smtClean="0"/>
-              <a:t>Datatypes</a:t>
+              <a:t>Multiple Parameters</a:t>
             </a:r>
             <a:endParaRPr lang="nl-NL" dirty="0"/>
           </a:p>
@@ -7696,60 +7541,207 @@
         </p:nvSpPr>
         <p:spPr/>
         <p:txBody>
-          <a:bodyPr/>
-          <a:lstStyle/>
-          <a:p>
+          <a:bodyPr>
+            <a:normAutofit fontScale="92500" lnSpcReduction="20000"/>
+          </a:bodyPr>
+          <a:lstStyle/>
+          <a:p>
+            <a:pPr marL="0" indent="0">
+              <a:buNone/>
+            </a:pPr>
             <a:endParaRPr lang="nl-NL" dirty="0" smtClean="0"/>
           </a:p>
           <a:p>
+            <a:pPr marL="0" indent="0">
+              <a:buNone/>
+            </a:pPr>
+            <a:r>
+              <a:rPr lang="nl-NL" dirty="0" smtClean="0"/>
+              <a:t>def addTwo( </a:t>
+            </a:r>
+            <a:r>
+              <a:rPr lang="nl-NL" dirty="0" smtClean="0">
+                <a:solidFill>
+                  <a:srgbClr val="FF0000"/>
+                </a:solidFill>
+              </a:rPr>
+              <a:t>a</a:t>
+            </a:r>
+            <a:r>
+              <a:rPr lang="nl-NL" dirty="0" smtClean="0"/>
+              <a:t>, </a:t>
+            </a:r>
+            <a:r>
+              <a:rPr lang="nl-NL" dirty="0" smtClean="0">
+                <a:solidFill>
+                  <a:srgbClr val="00B050"/>
+                </a:solidFill>
+              </a:rPr>
+              <a:t>b</a:t>
+            </a:r>
+            <a:r>
+              <a:rPr lang="nl-NL" dirty="0" smtClean="0"/>
+              <a:t>):</a:t>
+            </a:r>
+          </a:p>
+          <a:p>
+            <a:pPr marL="0" indent="0">
+              <a:buNone/>
+            </a:pPr>
+            <a:r>
+              <a:rPr lang="nl-NL" dirty="0"/>
+              <a:t>	</a:t>
+            </a:r>
+            <a:r>
+              <a:rPr lang="nl-NL" dirty="0" smtClean="0"/>
+              <a:t>added = </a:t>
+            </a:r>
+            <a:r>
+              <a:rPr lang="nl-NL" dirty="0" smtClean="0">
+                <a:solidFill>
+                  <a:srgbClr val="FF0000"/>
+                </a:solidFill>
+              </a:rPr>
+              <a:t>a</a:t>
+            </a:r>
+            <a:r>
+              <a:rPr lang="nl-NL" dirty="0" smtClean="0"/>
+              <a:t> + </a:t>
+            </a:r>
+            <a:r>
+              <a:rPr lang="nl-NL" dirty="0" smtClean="0">
+                <a:solidFill>
+                  <a:srgbClr val="00B050"/>
+                </a:solidFill>
+              </a:rPr>
+              <a:t>b</a:t>
+            </a:r>
+          </a:p>
+          <a:p>
+            <a:pPr marL="0" indent="0">
+              <a:buNone/>
+            </a:pPr>
+            <a:r>
+              <a:rPr lang="nl-NL" dirty="0"/>
+              <a:t>	</a:t>
+            </a:r>
+            <a:r>
+              <a:rPr lang="nl-NL" dirty="0" smtClean="0"/>
+              <a:t>return added</a:t>
+            </a:r>
+          </a:p>
+          <a:p>
+            <a:pPr marL="0" indent="0">
+              <a:buNone/>
+            </a:pPr>
+            <a:r>
+              <a:rPr lang="nl-NL" dirty="0" smtClean="0"/>
+              <a:t>x = addTwo ( </a:t>
+            </a:r>
+            <a:r>
+              <a:rPr lang="nl-NL" dirty="0" smtClean="0">
+                <a:solidFill>
+                  <a:srgbClr val="FF0000"/>
+                </a:solidFill>
+              </a:rPr>
+              <a:t>3</a:t>
+            </a:r>
+            <a:r>
+              <a:rPr lang="nl-NL" dirty="0" smtClean="0"/>
+              <a:t>, </a:t>
+            </a:r>
+            <a:r>
+              <a:rPr lang="nl-NL" dirty="0" smtClean="0">
+                <a:solidFill>
+                  <a:srgbClr val="00B050"/>
+                </a:solidFill>
+              </a:rPr>
+              <a:t>5</a:t>
+            </a:r>
+            <a:r>
+              <a:rPr lang="nl-NL" dirty="0" smtClean="0"/>
+              <a:t>)</a:t>
+            </a:r>
+          </a:p>
+          <a:p>
+            <a:pPr marL="0" indent="0">
+              <a:buNone/>
+            </a:pPr>
+            <a:r>
+              <a:rPr lang="nl-NL" dirty="0" smtClean="0"/>
+              <a:t>print x </a:t>
+            </a:r>
+            <a:r>
+              <a:rPr lang="nl-NL" dirty="0" smtClean="0">
+                <a:sym typeface="Wingdings" panose="05000000000000000000" pitchFamily="2" charset="2"/>
+              </a:rPr>
+              <a:t> 8</a:t>
+            </a:r>
+            <a:endParaRPr lang="nl-NL" dirty="0" smtClean="0"/>
+          </a:p>
+          <a:p>
+            <a:pPr marL="0" indent="0">
+              <a:buNone/>
+            </a:pPr>
+            <a:endParaRPr lang="nl-NL" dirty="0"/>
+          </a:p>
+          <a:p>
+            <a:r>
+              <a:rPr lang="nl-NL" dirty="0" smtClean="0"/>
+              <a:t>We can define more than one parameter in the function definition</a:t>
+            </a:r>
+          </a:p>
+          <a:p>
+            <a:r>
+              <a:rPr lang="nl-NL" dirty="0" smtClean="0"/>
+              <a:t>We simply add more arguments when we call the function</a:t>
+            </a:r>
+          </a:p>
+          <a:p>
+            <a:r>
+              <a:rPr lang="nl-NL" dirty="0" smtClean="0"/>
+              <a:t>We </a:t>
+            </a:r>
             <a:r>
               <a:rPr lang="nl-NL" b="1" dirty="0" smtClean="0"/>
-              <a:t>Int</a:t>
-            </a:r>
-            <a:r>
-              <a:rPr lang="nl-NL" dirty="0" smtClean="0"/>
-              <a:t>  3,100, -300,5</a:t>
-            </a:r>
-          </a:p>
-          <a:p>
+              <a:t>match</a:t>
+            </a:r>
+            <a:r>
+              <a:rPr lang="nl-NL" dirty="0" smtClean="0"/>
+              <a:t> the </a:t>
+            </a:r>
             <a:r>
               <a:rPr lang="nl-NL" b="1" dirty="0" smtClean="0"/>
-              <a:t>Float</a:t>
-            </a:r>
-            <a:r>
-              <a:rPr lang="nl-NL" dirty="0" smtClean="0"/>
-              <a:t>  3.0,  -2.04123,3.1415 , -9.123</a:t>
-            </a:r>
-          </a:p>
-          <a:p>
+              <a:t>number</a:t>
+            </a:r>
+            <a:r>
+              <a:rPr lang="nl-NL" dirty="0" smtClean="0"/>
+              <a:t> and </a:t>
+            </a:r>
             <a:r>
               <a:rPr lang="nl-NL" b="1" dirty="0" smtClean="0"/>
-              <a:t>Boolean</a:t>
-            </a:r>
-            <a:r>
-              <a:rPr lang="nl-NL" dirty="0" smtClean="0"/>
-              <a:t>  True False</a:t>
-            </a:r>
-          </a:p>
-          <a:p>
-            <a:r>
-              <a:rPr lang="nl-NL" b="1" dirty="0" smtClean="0"/>
-              <a:t>String</a:t>
-            </a:r>
-            <a:r>
-              <a:rPr lang="nl-NL" dirty="0" smtClean="0"/>
-              <a:t> “Hoi ik ben een string”</a:t>
-            </a:r>
-          </a:p>
-          <a:p>
-            <a:endParaRPr lang="nl-NL" dirty="0"/>
+              <a:t>order</a:t>
+            </a:r>
+            <a:r>
+              <a:rPr lang="nl-NL" dirty="0" smtClean="0"/>
+              <a:t> of arguments and parameters</a:t>
+            </a:r>
+          </a:p>
+          <a:p>
+            <a:pPr marL="0" indent="0">
+              <a:buNone/>
+            </a:pPr>
+            <a:r>
+              <a:rPr lang="nl-NL" dirty="0"/>
+              <a:t>	</a:t>
+            </a:r>
           </a:p>
         </p:txBody>
       </p:sp>
     </p:spTree>
     <p:extLst>
       <p:ext uri="{BB962C8B-B14F-4D97-AF65-F5344CB8AC3E}">
-        <p14:creationId xmlns:p14="http://schemas.microsoft.com/office/powerpoint/2010/main" val="2976257780"/>
+        <p14:creationId xmlns:p14="http://schemas.microsoft.com/office/powerpoint/2010/main" val="3436430804"/>
       </p:ext>
     </p:extLst>
   </p:cSld>
